--- a/plotly-dash-training/day_2/Python with Plotly and Dash.pptx
+++ b/plotly-dash-training/day_2/Python with Plotly and Dash.pptx
@@ -10757,22 +10757,7 @@
             </a:pPr>
             <a:r>
               <a:rPr lang="en"/>
-              <a:t>dash_extensions:</a:t>
-            </a:r>
-            <a:r>
-              <a:rPr lang="en" u="sng">
-                <a:solidFill>
-                  <a:srgbClr val="1155CC"/>
-                </a:solidFill>
-                <a:hlinkClick r:id="rId6">
-                  <a:extLst>
-                    <a:ext uri="{A12FA001-AC4F-418D-AE19-62706E023703}">
-                      <ahyp:hlinkClr val="tx"/>
-                    </a:ext>
-                  </a:extLst>
-                </a:hlinkClick>
-              </a:rPr>
-              <a:t>https://dash.plotly.com/dash-core-components</a:t>
+              <a:t>dash_extensions:https://pypi.org/project/dash-extensions/</a:t>
             </a:r>
             <a:endParaRPr/>
           </a:p>
@@ -10789,25 +10774,7 @@
             </a:pPr>
             <a:r>
               <a:rPr lang="en"/>
-              <a:t>Dash bootstrap components: </a:t>
-            </a:r>
-            <a:r>
-              <a:rPr lang="en" u="sng">
-                <a:solidFill>
-                  <a:srgbClr val="1155CC"/>
-                </a:solidFill>
-                <a:highlight>
-                  <a:srgbClr val="FFFFFF"/>
-                </a:highlight>
-                <a:hlinkClick r:id="rId7">
-                  <a:extLst>
-                    <a:ext uri="{A12FA001-AC4F-418D-AE19-62706E023703}">
-                      <ahyp:hlinkClr val="tx"/>
-                    </a:ext>
-                  </a:extLst>
-                </a:hlinkClick>
-              </a:rPr>
-              <a:t>https://plotly.com/dash-community-components/</a:t>
+              <a:t>Dash bootstrap components: https://dash-bootstrap-components.opensource.faculty.ai/</a:t>
             </a:r>
             <a:endParaRPr/>
           </a:p>
@@ -10824,25 +10791,7 @@
             </a:pPr>
             <a:r>
               <a:rPr lang="en"/>
-              <a:t>Dash Leaflet: Dash bootstrap components: </a:t>
-            </a:r>
-            <a:r>
-              <a:rPr lang="en" u="sng">
-                <a:solidFill>
-                  <a:srgbClr val="1155CC"/>
-                </a:solidFill>
-                <a:highlight>
-                  <a:srgbClr val="FFFFFF"/>
-                </a:highlight>
-                <a:hlinkClick r:id="rId8">
-                  <a:extLst>
-                    <a:ext uri="{A12FA001-AC4F-418D-AE19-62706E023703}">
-                      <ahyp:hlinkClr val="tx"/>
-                    </a:ext>
-                  </a:extLst>
-                </a:hlinkClick>
-              </a:rPr>
-              <a:t>https://plotly.com/dash-community-components/</a:t>
+              <a:t>Dash Leaflet: Dash bootstrap components: https://dash-leaflet.herokuapp.com/</a:t>
             </a:r>
             <a:endParaRPr/>
           </a:p>
